--- a/分享_何家妮_7.15.pptx
+++ b/分享_何家妮_7.15.pptx
@@ -5,7 +5,7 @@
     <p:sldMasterId id="2147483648" r:id="rId1"/>
   </p:sldMasterIdLst>
   <p:notesMasterIdLst>
-    <p:notesMasterId r:id="rId16"/>
+    <p:notesMasterId r:id="rId17"/>
   </p:notesMasterIdLst>
   <p:sldIdLst>
     <p:sldId id="258" r:id="rId2"/>
@@ -15,13 +15,14 @@
     <p:sldId id="264" r:id="rId6"/>
     <p:sldId id="265" r:id="rId7"/>
     <p:sldId id="267" r:id="rId8"/>
-    <p:sldId id="266" r:id="rId9"/>
-    <p:sldId id="268" r:id="rId10"/>
-    <p:sldId id="269" r:id="rId11"/>
-    <p:sldId id="270" r:id="rId12"/>
-    <p:sldId id="271" r:id="rId13"/>
-    <p:sldId id="272" r:id="rId14"/>
-    <p:sldId id="257" r:id="rId15"/>
+    <p:sldId id="273" r:id="rId9"/>
+    <p:sldId id="266" r:id="rId10"/>
+    <p:sldId id="268" r:id="rId11"/>
+    <p:sldId id="269" r:id="rId12"/>
+    <p:sldId id="270" r:id="rId13"/>
+    <p:sldId id="271" r:id="rId14"/>
+    <p:sldId id="272" r:id="rId15"/>
+    <p:sldId id="257" r:id="rId16"/>
   </p:sldIdLst>
   <p:sldSz cx="12192000" cy="6858000"/>
   <p:notesSz cx="7104063" cy="10234613"/>
@@ -120,6 +121,22 @@
       </a:defRPr>
     </a:lvl9pPr>
   </p:defaultTextStyle>
+  <p:extLst>
+    <p:ext uri="{EFAFB233-063F-42B5-8137-9DF3F51BA10A}">
+      <p15:sldGuideLst xmlns:p15="http://schemas.microsoft.com/office/powerpoint/2012/main">
+        <p15:guide id="1" orient="horz" pos="2160">
+          <p15:clr>
+            <a:srgbClr val="A4A3A4"/>
+          </p15:clr>
+        </p15:guide>
+        <p15:guide id="2" pos="3840">
+          <p15:clr>
+            <a:srgbClr val="A4A3A4"/>
+          </p15:clr>
+        </p15:guide>
+      </p15:sldGuideLst>
+    </p:ext>
+  </p:extLst>
 </p:presentation>
 </file>
 
@@ -206,7 +223,7 @@
             <a:fld id="{D2A48B96-639E-45A3-A0BA-2464DFDB1FAA}" type="datetimeFigureOut">
               <a:rPr lang="zh-CN" altLang="en-US" smtClean="0"/>
               <a:pPr/>
-              <a:t>2019/7/15</a:t>
+              <a:t>2019/7/16</a:t>
             </a:fld>
             <a:endParaRPr lang="zh-CN" altLang="en-US"/>
           </a:p>
@@ -737,12 +754,7 @@
             <p:ph type="sldImg"/>
           </p:nvPr>
         </p:nvSpPr>
-        <p:spPr>
-          <a:xfrm>
-            <a:off x="481013" y="1279525"/>
-            <a:ext cx="6140450" cy="3454400"/>
-          </a:xfrm>
-        </p:spPr>
+        <p:spPr/>
       </p:sp>
       <p:sp>
         <p:nvSpPr>
@@ -907,6 +919,91 @@
             <p:ph type="sldImg"/>
           </p:nvPr>
         </p:nvSpPr>
+        <p:spPr>
+          <a:xfrm>
+            <a:off x="481013" y="1279525"/>
+            <a:ext cx="6140450" cy="3454400"/>
+          </a:xfrm>
+        </p:spPr>
+      </p:sp>
+      <p:sp>
+        <p:nvSpPr>
+          <p:cNvPr id="3" name="备注占位符 2"/>
+          <p:cNvSpPr>
+            <a:spLocks noGrp="1"/>
+          </p:cNvSpPr>
+          <p:nvPr>
+            <p:ph type="body" idx="1"/>
+          </p:nvPr>
+        </p:nvSpPr>
+        <p:spPr/>
+        <p:txBody>
+          <a:bodyPr/>
+          <a:lstStyle/>
+          <a:p>
+            <a:endParaRPr lang="zh-CN" altLang="en-US"/>
+          </a:p>
+        </p:txBody>
+      </p:sp>
+      <p:sp>
+        <p:nvSpPr>
+          <p:cNvPr id="4" name="灯片编号占位符 3"/>
+          <p:cNvSpPr>
+            <a:spLocks noGrp="1"/>
+          </p:cNvSpPr>
+          <p:nvPr>
+            <p:ph type="sldNum" sz="quarter" idx="10"/>
+          </p:nvPr>
+        </p:nvSpPr>
+        <p:spPr/>
+        <p:txBody>
+          <a:bodyPr/>
+          <a:lstStyle/>
+          <a:p>
+            <a:fld id="{12484ED7-7027-46D8-81B6-1A4EC2E78B1E}" type="slidenum">
+              <a:rPr lang="zh-CN" altLang="en-US" smtClean="0"/>
+              <a:pPr/>
+              <a:t>14</a:t>
+            </a:fld>
+            <a:endParaRPr lang="zh-CN" altLang="en-US"/>
+          </a:p>
+        </p:txBody>
+      </p:sp>
+    </p:spTree>
+  </p:cSld>
+  <p:clrMapOvr>
+    <a:masterClrMapping/>
+  </p:clrMapOvr>
+</p:notes>
+</file>
+
+<file path=ppt/notesSlides/notesSlide15.xml><?xml version="1.0" encoding="utf-8"?>
+<p:notes xmlns:a="http://schemas.openxmlformats.org/drawingml/2006/main" xmlns:r="http://schemas.openxmlformats.org/officeDocument/2006/relationships" xmlns:p="http://schemas.openxmlformats.org/presentationml/2006/main">
+  <p:cSld>
+    <p:spTree>
+      <p:nvGrpSpPr>
+        <p:cNvPr id="1" name=""/>
+        <p:cNvGrpSpPr/>
+        <p:nvPr/>
+      </p:nvGrpSpPr>
+      <p:grpSpPr>
+        <a:xfrm>
+          <a:off x="0" y="0"/>
+          <a:ext cx="0" cy="0"/>
+          <a:chOff x="0" y="0"/>
+          <a:chExt cx="0" cy="0"/>
+        </a:xfrm>
+      </p:grpSpPr>
+      <p:sp>
+        <p:nvSpPr>
+          <p:cNvPr id="2" name="幻灯片图像占位符 1"/>
+          <p:cNvSpPr>
+            <a:spLocks noGrp="1" noRot="1" noChangeAspect="1"/>
+          </p:cNvSpPr>
+          <p:nvPr>
+            <p:ph type="sldImg"/>
+          </p:nvPr>
+        </p:nvSpPr>
         <p:spPr/>
       </p:sp>
       <p:sp>
@@ -946,7 +1043,7 @@
             <a:fld id="{12484ED7-7027-46D8-81B6-1A4EC2E78B1E}" type="slidenum">
               <a:rPr lang="zh-CN" altLang="en-US" smtClean="0"/>
               <a:pPr/>
-              <a:t>14</a:t>
+              <a:t>15</a:t>
             </a:fld>
             <a:endParaRPr lang="zh-CN" altLang="en-US"/>
           </a:p>
@@ -1227,7 +1324,12 @@
             <p:ph type="sldImg"/>
           </p:nvPr>
         </p:nvSpPr>
-        <p:spPr/>
+        <p:spPr>
+          <a:xfrm>
+            <a:off x="481013" y="1279525"/>
+            <a:ext cx="6140450" cy="3454400"/>
+          </a:xfrm>
+        </p:spPr>
       </p:sp>
       <p:sp>
         <p:nvSpPr>
@@ -1387,7 +1489,12 @@
             <p:ph type="sldImg"/>
           </p:nvPr>
         </p:nvSpPr>
-        <p:spPr/>
+        <p:spPr>
+          <a:xfrm>
+            <a:off x="481013" y="1279525"/>
+            <a:ext cx="6140450" cy="3454400"/>
+          </a:xfrm>
+        </p:spPr>
       </p:sp>
       <p:sp>
         <p:nvSpPr>
@@ -1467,7 +1574,12 @@
             <p:ph type="sldImg"/>
           </p:nvPr>
         </p:nvSpPr>
-        <p:spPr/>
+        <p:spPr>
+          <a:xfrm>
+            <a:off x="481013" y="1279525"/>
+            <a:ext cx="6140450" cy="3454400"/>
+          </a:xfrm>
+        </p:spPr>
       </p:sp>
       <p:sp>
         <p:nvSpPr>
@@ -1513,6 +1625,11 @@
         </p:txBody>
       </p:sp>
     </p:spTree>
+    <p:extLst>
+      <p:ext uri="{BB962C8B-B14F-4D97-AF65-F5344CB8AC3E}">
+        <p14:creationId xmlns:p14="http://schemas.microsoft.com/office/powerpoint/2010/main" val="3414536017"/>
+      </p:ext>
+    </p:extLst>
   </p:cSld>
   <p:clrMapOvr>
     <a:masterClrMapping/>
@@ -1752,7 +1869,7 @@
             <a:fld id="{41C1D848-7615-4E5C-9FE8-01BA8708DB09}" type="datetimeFigureOut">
               <a:rPr lang="zh-CN" altLang="en-US" smtClean="0"/>
               <a:pPr/>
-              <a:t>2019/7/15</a:t>
+              <a:t>2019/7/16</a:t>
             </a:fld>
             <a:endParaRPr lang="zh-CN" altLang="en-US"/>
           </a:p>
@@ -4867,7 +4984,7 @@
             <a:fld id="{9EFD9D74-47D9-4702-A33C-335B63B48DBF}" type="datetimeFigureOut">
               <a:rPr lang="zh-CN" altLang="en-US" smtClean="0"/>
               <a:pPr/>
-              <a:t>2019/7/15</a:t>
+              <a:t>2019/7/16</a:t>
             </a:fld>
             <a:endParaRPr lang="zh-CN" altLang="en-US"/>
           </a:p>
@@ -5099,7 +5216,7 @@
             <a:fld id="{41C1D848-7615-4E5C-9FE8-01BA8708DB09}" type="datetimeFigureOut">
               <a:rPr lang="zh-CN" altLang="en-US" smtClean="0"/>
               <a:pPr/>
-              <a:t>2019/7/15</a:t>
+              <a:t>2019/7/16</a:t>
             </a:fld>
             <a:endParaRPr lang="zh-CN" altLang="en-US"/>
           </a:p>
@@ -5348,7 +5465,7 @@
             <a:fld id="{41C1D848-7615-4E5C-9FE8-01BA8708DB09}" type="datetimeFigureOut">
               <a:rPr lang="zh-CN" altLang="en-US" smtClean="0"/>
               <a:pPr/>
-              <a:t>2019/7/15</a:t>
+              <a:t>2019/7/16</a:t>
             </a:fld>
             <a:endParaRPr lang="zh-CN" altLang="en-US"/>
           </a:p>
@@ -5643,7 +5760,7 @@
             <a:fld id="{41C1D848-7615-4E5C-9FE8-01BA8708DB09}" type="datetimeFigureOut">
               <a:rPr lang="zh-CN" altLang="en-US" smtClean="0"/>
               <a:pPr/>
-              <a:t>2019/7/15</a:t>
+              <a:t>2019/7/16</a:t>
             </a:fld>
             <a:endParaRPr lang="zh-CN" altLang="en-US"/>
           </a:p>
@@ -6011,7 +6128,7 @@
             <a:fld id="{41C1D848-7615-4E5C-9FE8-01BA8708DB09}" type="datetimeFigureOut">
               <a:rPr lang="zh-CN" altLang="en-US" smtClean="0"/>
               <a:pPr/>
-              <a:t>2019/7/15</a:t>
+              <a:t>2019/7/16</a:t>
             </a:fld>
             <a:endParaRPr lang="zh-CN" altLang="en-US"/>
           </a:p>
@@ -9155,7 +9272,7 @@
             <a:fld id="{41C1D848-7615-4E5C-9FE8-01BA8708DB09}" type="datetimeFigureOut">
               <a:rPr lang="zh-CN" altLang="en-US" smtClean="0"/>
               <a:pPr/>
-              <a:t>2019/7/15</a:t>
+              <a:t>2019/7/16</a:t>
             </a:fld>
             <a:endParaRPr lang="zh-CN" altLang="en-US"/>
           </a:p>
@@ -9290,7 +9407,7 @@
             <a:fld id="{41C1D848-7615-4E5C-9FE8-01BA8708DB09}" type="datetimeFigureOut">
               <a:rPr lang="zh-CN" altLang="en-US" smtClean="0"/>
               <a:pPr/>
-              <a:t>2019/7/15</a:t>
+              <a:t>2019/7/16</a:t>
             </a:fld>
             <a:endParaRPr lang="zh-CN" altLang="en-US"/>
           </a:p>
@@ -9542,7 +9659,7 @@
             <a:fld id="{9EFD9D74-47D9-4702-A33C-335B63B48DBF}" type="datetimeFigureOut">
               <a:rPr lang="zh-CN" altLang="en-US" smtClean="0"/>
               <a:pPr/>
-              <a:t>2019/7/15</a:t>
+              <a:t>2019/7/16</a:t>
             </a:fld>
             <a:endParaRPr lang="zh-CN" altLang="en-US"/>
           </a:p>
@@ -9719,7 +9836,7 @@
             <a:fld id="{41C1D848-7615-4E5C-9FE8-01BA8708DB09}" type="datetimeFigureOut">
               <a:rPr lang="zh-CN" altLang="en-US" smtClean="0"/>
               <a:pPr/>
-              <a:t>2019/7/15</a:t>
+              <a:t>2019/7/16</a:t>
             </a:fld>
             <a:endParaRPr lang="zh-CN" altLang="en-US"/>
           </a:p>
@@ -9940,7 +10057,7 @@
             <a:fld id="{41C1D848-7615-4E5C-9FE8-01BA8708DB09}" type="datetimeFigureOut">
               <a:rPr lang="zh-CN" altLang="en-US" smtClean="0"/>
               <a:pPr/>
-              <a:t>2019/7/15</a:t>
+              <a:t>2019/7/16</a:t>
             </a:fld>
             <a:endParaRPr lang="zh-CN" altLang="en-US"/>
           </a:p>
@@ -10459,6 +10576,95 @@
       </p:grpSpPr>
       <p:sp>
         <p:nvSpPr>
+          <p:cNvPr id="2" name="标题 1"/>
+          <p:cNvSpPr>
+            <a:spLocks noGrp="1"/>
+          </p:cNvSpPr>
+          <p:nvPr>
+            <p:ph type="title"/>
+            <p:custDataLst>
+              <p:tags r:id="rId2"/>
+            </p:custDataLst>
+          </p:nvPr>
+        </p:nvSpPr>
+        <p:spPr/>
+        <p:txBody>
+          <a:bodyPr/>
+          <a:lstStyle/>
+          <a:p>
+            <a:r>
+              <a:rPr lang="en-US" altLang="zh-CN" dirty="0"/>
+              <a:t>demo</a:t>
+            </a:r>
+            <a:r>
+              <a:rPr lang="zh-CN" altLang="en-US" dirty="0"/>
+              <a:t>展示</a:t>
+            </a:r>
+          </a:p>
+        </p:txBody>
+      </p:sp>
+      <p:sp>
+        <p:nvSpPr>
+          <p:cNvPr id="3" name="内容占位符 2"/>
+          <p:cNvSpPr>
+            <a:spLocks noGrp="1"/>
+          </p:cNvSpPr>
+          <p:nvPr>
+            <p:ph idx="1"/>
+            <p:custDataLst>
+              <p:tags r:id="rId3"/>
+            </p:custDataLst>
+          </p:nvPr>
+        </p:nvSpPr>
+        <p:spPr/>
+        <p:txBody>
+          <a:bodyPr/>
+          <a:lstStyle/>
+          <a:p>
+            <a:r>
+              <a:rPr lang="zh-CN" altLang="en-US" dirty="0"/>
+              <a:t>增删改查</a:t>
+            </a:r>
+          </a:p>
+        </p:txBody>
+      </p:sp>
+    </p:spTree>
+    <p:custDataLst>
+      <p:tags r:id="rId1"/>
+    </p:custDataLst>
+  </p:cSld>
+  <p:clrMapOvr>
+    <a:masterClrMapping/>
+  </p:clrMapOvr>
+  <p:timing>
+    <p:tnLst>
+      <p:par>
+        <p:cTn id="1" dur="indefinite" restart="never" nodeType="tmRoot"/>
+      </p:par>
+    </p:tnLst>
+  </p:timing>
+</p:sld>
+</file>
+
+<file path=ppt/slides/slide11.xml><?xml version="1.0" encoding="utf-8"?>
+<p:sld xmlns:a="http://schemas.openxmlformats.org/drawingml/2006/main" xmlns:r="http://schemas.openxmlformats.org/officeDocument/2006/relationships" xmlns:p="http://schemas.openxmlformats.org/presentationml/2006/main">
+  <p:cSld>
+    <p:spTree>
+      <p:nvGrpSpPr>
+        <p:cNvPr id="1" name=""/>
+        <p:cNvGrpSpPr/>
+        <p:nvPr/>
+      </p:nvGrpSpPr>
+      <p:grpSpPr>
+        <a:xfrm>
+          <a:off x="0" y="0"/>
+          <a:ext cx="0" cy="0"/>
+          <a:chOff x="0" y="0"/>
+          <a:chExt cx="0" cy="0"/>
+        </a:xfrm>
+      </p:grpSpPr>
+      <p:sp>
+        <p:nvSpPr>
           <p:cNvPr id="4" name="标题 3"/>
           <p:cNvSpPr>
             <a:spLocks noGrp="1"/>
@@ -10594,7 +10800,7 @@
 </p:sld>
 </file>
 
-<file path=ppt/slides/slide11.xml><?xml version="1.0" encoding="utf-8"?>
+<file path=ppt/slides/slide12.xml><?xml version="1.0" encoding="utf-8"?>
 <p:sld xmlns:a="http://schemas.openxmlformats.org/drawingml/2006/main" xmlns:r="http://schemas.openxmlformats.org/officeDocument/2006/relationships" xmlns:p="http://schemas.openxmlformats.org/presentationml/2006/main">
   <p:cSld>
     <p:spTree>
@@ -10662,187 +10868,6 @@
               <a:rPr lang="zh-CN" altLang="en-US" dirty="0"/>
               <a:t>增删改查</a:t>
             </a:r>
-          </a:p>
-        </p:txBody>
-      </p:sp>
-    </p:spTree>
-    <p:custDataLst>
-      <p:tags r:id="rId1"/>
-    </p:custDataLst>
-  </p:cSld>
-  <p:clrMapOvr>
-    <a:masterClrMapping/>
-  </p:clrMapOvr>
-  <p:timing>
-    <p:tnLst>
-      <p:par>
-        <p:cTn id="1" dur="indefinite" restart="never" nodeType="tmRoot"/>
-      </p:par>
-    </p:tnLst>
-  </p:timing>
-</p:sld>
-</file>
-
-<file path=ppt/slides/slide12.xml><?xml version="1.0" encoding="utf-8"?>
-<p:sld xmlns:a="http://schemas.openxmlformats.org/drawingml/2006/main" xmlns:r="http://schemas.openxmlformats.org/officeDocument/2006/relationships" xmlns:p="http://schemas.openxmlformats.org/presentationml/2006/main">
-  <p:cSld>
-    <p:spTree>
-      <p:nvGrpSpPr>
-        <p:cNvPr id="1" name=""/>
-        <p:cNvGrpSpPr/>
-        <p:nvPr/>
-      </p:nvGrpSpPr>
-      <p:grpSpPr>
-        <a:xfrm>
-          <a:off x="0" y="0"/>
-          <a:ext cx="0" cy="0"/>
-          <a:chOff x="0" y="0"/>
-          <a:chExt cx="0" cy="0"/>
-        </a:xfrm>
-      </p:grpSpPr>
-      <p:sp>
-        <p:nvSpPr>
-          <p:cNvPr id="4" name="标题 3"/>
-          <p:cNvSpPr>
-            <a:spLocks noGrp="1"/>
-          </p:cNvSpPr>
-          <p:nvPr>
-            <p:ph type="title"/>
-            <p:custDataLst>
-              <p:tags r:id="rId2"/>
-            </p:custDataLst>
-          </p:nvPr>
-        </p:nvSpPr>
-        <p:spPr/>
-        <p:txBody>
-          <a:bodyPr wrap="square">
-            <a:normAutofit/>
-          </a:bodyPr>
-          <a:lstStyle/>
-          <a:p>
-            <a:r>
-              <a:rPr lang="zh-CN" altLang="en-US" b="1" dirty="0" smtClean="0">
-                <a:effectLst>
-                  <a:outerShdw dist="25400" dir="5400000" algn="t" rotWithShape="0">
-                    <a:prstClr val="black"/>
-                  </a:outerShdw>
-                </a:effectLst>
-                <a:latin typeface="Times New Roman" panose="02020603050405020304" charset="0"/>
-                <a:cs typeface="Times New Roman" panose="02020603050405020304" charset="0"/>
-                <a:sym typeface="+mn-lt"/>
-              </a:rPr>
-              <a:t>理论基础</a:t>
-            </a:r>
-            <a:endParaRPr lang="en-US" altLang="zh-CN" b="1" dirty="0">
-              <a:effectLst>
-                <a:outerShdw dist="25400" dir="5400000" algn="t" rotWithShape="0">
-                  <a:prstClr val="black"/>
-                </a:outerShdw>
-              </a:effectLst>
-              <a:latin typeface="Times New Roman" panose="02020603050405020304" charset="0"/>
-              <a:cs typeface="Times New Roman" panose="02020603050405020304" charset="0"/>
-              <a:sym typeface="+mn-lt"/>
-            </a:endParaRPr>
-          </a:p>
-        </p:txBody>
-      </p:sp>
-      <p:sp>
-        <p:nvSpPr>
-          <p:cNvPr id="5" name="文本占位符 4"/>
-          <p:cNvSpPr>
-            <a:spLocks noGrp="1"/>
-          </p:cNvSpPr>
-          <p:nvPr>
-            <p:ph type="body" idx="1"/>
-            <p:custDataLst>
-              <p:tags r:id="rId3"/>
-            </p:custDataLst>
-          </p:nvPr>
-        </p:nvSpPr>
-        <p:spPr/>
-        <p:txBody>
-          <a:bodyPr wrap="square">
-            <a:normAutofit/>
-          </a:bodyPr>
-          <a:lstStyle/>
-          <a:p>
-            <a:r>
-              <a:rPr lang="en-US" altLang="zh-CN" dirty="0" smtClean="0">
-                <a:latin typeface="Times New Roman" panose="02020603050405020304" charset="0"/>
-                <a:cs typeface="Times New Roman" panose="02020603050405020304" charset="0"/>
-                <a:sym typeface="+mn-lt"/>
-              </a:rPr>
-              <a:t>Spring</a:t>
-            </a:r>
-            <a:r>
-              <a:rPr lang="zh-CN" altLang="en-US" dirty="0" smtClean="0">
-                <a:latin typeface="Times New Roman" panose="02020603050405020304" charset="0"/>
-                <a:cs typeface="Times New Roman" panose="02020603050405020304" charset="0"/>
-                <a:sym typeface="+mn-lt"/>
-              </a:rPr>
-              <a:t>机制</a:t>
-            </a:r>
-            <a:endParaRPr lang="en-US" altLang="zh-CN" dirty="0">
-              <a:latin typeface="Times New Roman" panose="02020603050405020304" charset="0"/>
-              <a:cs typeface="Times New Roman" panose="02020603050405020304" charset="0"/>
-              <a:sym typeface="+mn-lt"/>
-            </a:endParaRPr>
-          </a:p>
-        </p:txBody>
-      </p:sp>
-      <p:sp>
-        <p:nvSpPr>
-          <p:cNvPr id="2" name="文本框 1"/>
-          <p:cNvSpPr txBox="1"/>
-          <p:nvPr>
-            <p:custDataLst>
-              <p:tags r:id="rId4"/>
-            </p:custDataLst>
-          </p:nvPr>
-        </p:nvSpPr>
-        <p:spPr>
-          <a:xfrm>
-            <a:off x="5770235" y="2358642"/>
-            <a:ext cx="697628" cy="1200330"/>
-          </a:xfrm>
-          <a:prstGeom prst="rect">
-            <a:avLst/>
-          </a:prstGeom>
-        </p:spPr>
-        <p:txBody>
-          <a:bodyPr wrap="square" anchor="ctr">
-            <a:normAutofit/>
-          </a:bodyPr>
-          <a:lstStyle>
-            <a:defPPr>
-              <a:defRPr lang="zh-CN"/>
-            </a:defPPr>
-            <a:lvl1pPr>
-              <a:defRPr sz="7200" b="1">
-                <a:solidFill>
-                  <a:schemeClr val="accent1"/>
-                </a:solidFill>
-                <a:effectLst>
-                  <a:outerShdw dist="25400" dir="5400000" algn="t" rotWithShape="0">
-                    <a:prstClr val="black"/>
-                  </a:outerShdw>
-                </a:effectLst>
-                <a:cs typeface="+mn-ea"/>
-              </a:defRPr>
-            </a:lvl1pPr>
-          </a:lstStyle>
-          <a:p>
-            <a:r>
-              <a:rPr lang="en-US" altLang="zh-CN" dirty="0" smtClean="0">
-                <a:latin typeface="Times New Roman" panose="02020603050405020304" charset="0"/>
-                <a:cs typeface="Times New Roman" panose="02020603050405020304" charset="0"/>
-              </a:rPr>
-              <a:t>3</a:t>
-            </a:r>
-            <a:endParaRPr lang="en-US" altLang="zh-CN" dirty="0" smtClean="0">
-              <a:latin typeface="Times New Roman" panose="02020603050405020304" charset="0"/>
-              <a:cs typeface="Times New Roman" panose="02020603050405020304" charset="0"/>
-            </a:endParaRPr>
           </a:p>
         </p:txBody>
       </p:sp>
@@ -10912,7 +10937,7 @@
                 <a:cs typeface="Times New Roman" panose="02020603050405020304" charset="0"/>
                 <a:sym typeface="+mn-lt"/>
               </a:rPr>
-              <a:t>问题与思考</a:t>
+              <a:t>理论基础</a:t>
             </a:r>
             <a:endParaRPr lang="en-US" altLang="zh-CN" b="1" dirty="0">
               <a:effectLst>
@@ -10947,6 +10972,22 @@
           </a:bodyPr>
           <a:lstStyle/>
           <a:p>
+            <a:r>
+              <a:rPr lang="en-US" altLang="zh-CN" dirty="0" smtClean="0">
+                <a:latin typeface="Times New Roman" panose="02020603050405020304" charset="0"/>
+                <a:cs typeface="Times New Roman" panose="02020603050405020304" charset="0"/>
+                <a:sym typeface="+mn-lt"/>
+              </a:rPr>
+              <a:t>Spring</a:t>
+            </a:r>
+            <a:r>
+              <a:rPr lang="zh-CN" altLang="en-US" dirty="0" smtClean="0">
+                <a:latin typeface="Times New Roman" panose="02020603050405020304" charset="0"/>
+                <a:cs typeface="Times New Roman" panose="02020603050405020304" charset="0"/>
+                <a:sym typeface="+mn-lt"/>
+              </a:rPr>
+              <a:t>机制</a:t>
+            </a:r>
             <a:endParaRPr lang="en-US" altLang="zh-CN" dirty="0">
               <a:latin typeface="Times New Roman" panose="02020603050405020304" charset="0"/>
               <a:cs typeface="Times New Roman" panose="02020603050405020304" charset="0"/>
@@ -11002,12 +11043,8 @@
                 <a:latin typeface="Times New Roman" panose="02020603050405020304" charset="0"/>
                 <a:cs typeface="Times New Roman" panose="02020603050405020304" charset="0"/>
               </a:rPr>
-              <a:t>4</a:t>
-            </a:r>
-            <a:endParaRPr lang="en-US" altLang="zh-CN" dirty="0" smtClean="0">
-              <a:latin typeface="Times New Roman" panose="02020603050405020304" charset="0"/>
-              <a:cs typeface="Times New Roman" panose="02020603050405020304" charset="0"/>
-            </a:endParaRPr>
+              <a:t>3</a:t>
+            </a:r>
           </a:p>
         </p:txBody>
       </p:sp>
@@ -11030,6 +11067,167 @@
 </file>
 
 <file path=ppt/slides/slide14.xml><?xml version="1.0" encoding="utf-8"?>
+<p:sld xmlns:a="http://schemas.openxmlformats.org/drawingml/2006/main" xmlns:r="http://schemas.openxmlformats.org/officeDocument/2006/relationships" xmlns:p="http://schemas.openxmlformats.org/presentationml/2006/main">
+  <p:cSld>
+    <p:spTree>
+      <p:nvGrpSpPr>
+        <p:cNvPr id="1" name=""/>
+        <p:cNvGrpSpPr/>
+        <p:nvPr/>
+      </p:nvGrpSpPr>
+      <p:grpSpPr>
+        <a:xfrm>
+          <a:off x="0" y="0"/>
+          <a:ext cx="0" cy="0"/>
+          <a:chOff x="0" y="0"/>
+          <a:chExt cx="0" cy="0"/>
+        </a:xfrm>
+      </p:grpSpPr>
+      <p:sp>
+        <p:nvSpPr>
+          <p:cNvPr id="4" name="标题 3"/>
+          <p:cNvSpPr>
+            <a:spLocks noGrp="1"/>
+          </p:cNvSpPr>
+          <p:nvPr>
+            <p:ph type="title"/>
+            <p:custDataLst>
+              <p:tags r:id="rId2"/>
+            </p:custDataLst>
+          </p:nvPr>
+        </p:nvSpPr>
+        <p:spPr/>
+        <p:txBody>
+          <a:bodyPr wrap="square">
+            <a:normAutofit/>
+          </a:bodyPr>
+          <a:lstStyle/>
+          <a:p>
+            <a:r>
+              <a:rPr lang="zh-CN" altLang="en-US" b="1" dirty="0" smtClean="0">
+                <a:effectLst>
+                  <a:outerShdw dist="25400" dir="5400000" algn="t" rotWithShape="0">
+                    <a:prstClr val="black"/>
+                  </a:outerShdw>
+                </a:effectLst>
+                <a:latin typeface="Times New Roman" panose="02020603050405020304" charset="0"/>
+                <a:cs typeface="Times New Roman" panose="02020603050405020304" charset="0"/>
+                <a:sym typeface="+mn-lt"/>
+              </a:rPr>
+              <a:t>问题与思考</a:t>
+            </a:r>
+            <a:endParaRPr lang="en-US" altLang="zh-CN" b="1" dirty="0">
+              <a:effectLst>
+                <a:outerShdw dist="25400" dir="5400000" algn="t" rotWithShape="0">
+                  <a:prstClr val="black"/>
+                </a:outerShdw>
+              </a:effectLst>
+              <a:latin typeface="Times New Roman" panose="02020603050405020304" charset="0"/>
+              <a:cs typeface="Times New Roman" panose="02020603050405020304" charset="0"/>
+              <a:sym typeface="+mn-lt"/>
+            </a:endParaRPr>
+          </a:p>
+        </p:txBody>
+      </p:sp>
+      <p:sp>
+        <p:nvSpPr>
+          <p:cNvPr id="5" name="文本占位符 4"/>
+          <p:cNvSpPr>
+            <a:spLocks noGrp="1"/>
+          </p:cNvSpPr>
+          <p:nvPr>
+            <p:ph type="body" idx="1"/>
+            <p:custDataLst>
+              <p:tags r:id="rId3"/>
+            </p:custDataLst>
+          </p:nvPr>
+        </p:nvSpPr>
+        <p:spPr/>
+        <p:txBody>
+          <a:bodyPr wrap="square">
+            <a:normAutofit/>
+          </a:bodyPr>
+          <a:lstStyle/>
+          <a:p>
+            <a:endParaRPr lang="en-US" altLang="zh-CN" dirty="0">
+              <a:latin typeface="Times New Roman" panose="02020603050405020304" charset="0"/>
+              <a:cs typeface="Times New Roman" panose="02020603050405020304" charset="0"/>
+              <a:sym typeface="+mn-lt"/>
+            </a:endParaRPr>
+          </a:p>
+        </p:txBody>
+      </p:sp>
+      <p:sp>
+        <p:nvSpPr>
+          <p:cNvPr id="2" name="文本框 1"/>
+          <p:cNvSpPr txBox="1"/>
+          <p:nvPr>
+            <p:custDataLst>
+              <p:tags r:id="rId4"/>
+            </p:custDataLst>
+          </p:nvPr>
+        </p:nvSpPr>
+        <p:spPr>
+          <a:xfrm>
+            <a:off x="5770235" y="2358642"/>
+            <a:ext cx="697628" cy="1200330"/>
+          </a:xfrm>
+          <a:prstGeom prst="rect">
+            <a:avLst/>
+          </a:prstGeom>
+        </p:spPr>
+        <p:txBody>
+          <a:bodyPr wrap="square" anchor="ctr">
+            <a:normAutofit/>
+          </a:bodyPr>
+          <a:lstStyle>
+            <a:defPPr>
+              <a:defRPr lang="zh-CN"/>
+            </a:defPPr>
+            <a:lvl1pPr>
+              <a:defRPr sz="7200" b="1">
+                <a:solidFill>
+                  <a:schemeClr val="accent1"/>
+                </a:solidFill>
+                <a:effectLst>
+                  <a:outerShdw dist="25400" dir="5400000" algn="t" rotWithShape="0">
+                    <a:prstClr val="black"/>
+                  </a:outerShdw>
+                </a:effectLst>
+                <a:cs typeface="+mn-ea"/>
+              </a:defRPr>
+            </a:lvl1pPr>
+          </a:lstStyle>
+          <a:p>
+            <a:r>
+              <a:rPr lang="en-US" altLang="zh-CN" dirty="0" smtClean="0">
+                <a:latin typeface="Times New Roman" panose="02020603050405020304" charset="0"/>
+                <a:cs typeface="Times New Roman" panose="02020603050405020304" charset="0"/>
+              </a:rPr>
+              <a:t>4</a:t>
+            </a:r>
+          </a:p>
+        </p:txBody>
+      </p:sp>
+    </p:spTree>
+    <p:custDataLst>
+      <p:tags r:id="rId1"/>
+    </p:custDataLst>
+  </p:cSld>
+  <p:clrMapOvr>
+    <a:masterClrMapping/>
+  </p:clrMapOvr>
+  <p:timing>
+    <p:tnLst>
+      <p:par>
+        <p:cTn id="1" dur="indefinite" restart="never" nodeType="tmRoot"/>
+      </p:par>
+    </p:tnLst>
+  </p:timing>
+</p:sld>
+</file>
+
+<file path=ppt/slides/slide15.xml><?xml version="1.0" encoding="utf-8"?>
 <p:sld xmlns:a="http://schemas.openxmlformats.org/drawingml/2006/main" xmlns:r="http://schemas.openxmlformats.org/officeDocument/2006/relationships" xmlns:p="http://schemas.openxmlformats.org/presentationml/2006/main">
   <p:cSld>
     <p:spTree>
@@ -13117,7 +13315,7 @@
           <a:blip r:embed="rId32">
             <a:extLst>
               <a:ext uri="{28A0092B-C50C-407E-A947-70E740481C1C}">
-                <a14:useLocalDpi xmlns:a14="http://schemas.microsoft.com/office/drawing/2010/main" xmlns="" val="0"/>
+                <a14:useLocalDpi xmlns:a14="http://schemas.microsoft.com/office/drawing/2010/main" val="0"/>
               </a:ext>
             </a:extLst>
           </a:blip>
@@ -13151,7 +13349,7 @@
           <a:blip r:embed="rId33">
             <a:extLst>
               <a:ext uri="{28A0092B-C50C-407E-A947-70E740481C1C}">
-                <a14:useLocalDpi xmlns:a14="http://schemas.microsoft.com/office/drawing/2010/main" xmlns="" val="0"/>
+                <a14:useLocalDpi xmlns:a14="http://schemas.microsoft.com/office/drawing/2010/main" val="0"/>
               </a:ext>
             </a:extLst>
           </a:blip>
@@ -13185,7 +13383,7 @@
           <a:blip r:embed="rId34">
             <a:extLst>
               <a:ext uri="{28A0092B-C50C-407E-A947-70E740481C1C}">
-                <a14:useLocalDpi xmlns:a14="http://schemas.microsoft.com/office/drawing/2010/main" xmlns="" val="0"/>
+                <a14:useLocalDpi xmlns:a14="http://schemas.microsoft.com/office/drawing/2010/main" val="0"/>
               </a:ext>
             </a:extLst>
           </a:blip>
@@ -13219,7 +13417,7 @@
           <a:blip r:embed="rId35">
             <a:extLst>
               <a:ext uri="{28A0092B-C50C-407E-A947-70E740481C1C}">
-                <a14:useLocalDpi xmlns:a14="http://schemas.microsoft.com/office/drawing/2010/main" xmlns="" val="0"/>
+                <a14:useLocalDpi xmlns:a14="http://schemas.microsoft.com/office/drawing/2010/main" val="0"/>
               </a:ext>
             </a:extLst>
           </a:blip>
@@ -13253,7 +13451,7 @@
           <a:blip r:embed="rId36">
             <a:extLst>
               <a:ext uri="{28A0092B-C50C-407E-A947-70E740481C1C}">
-                <a14:useLocalDpi xmlns:a14="http://schemas.microsoft.com/office/drawing/2010/main" xmlns="" val="0"/>
+                <a14:useLocalDpi xmlns:a14="http://schemas.microsoft.com/office/drawing/2010/main" val="0"/>
               </a:ext>
             </a:extLst>
           </a:blip>
@@ -13287,7 +13485,7 @@
           <a:blip r:embed="rId37">
             <a:extLst>
               <a:ext uri="{28A0092B-C50C-407E-A947-70E740481C1C}">
-                <a14:useLocalDpi xmlns:a14="http://schemas.microsoft.com/office/drawing/2010/main" xmlns="" val="0"/>
+                <a14:useLocalDpi xmlns:a14="http://schemas.microsoft.com/office/drawing/2010/main" val="0"/>
               </a:ext>
             </a:extLst>
           </a:blip>
@@ -13321,7 +13519,7 @@
           <a:blip r:embed="rId38">
             <a:extLst>
               <a:ext uri="{28A0092B-C50C-407E-A947-70E740481C1C}">
-                <a14:useLocalDpi xmlns:a14="http://schemas.microsoft.com/office/drawing/2010/main" xmlns="" val="0"/>
+                <a14:useLocalDpi xmlns:a14="http://schemas.microsoft.com/office/drawing/2010/main" val="0"/>
               </a:ext>
             </a:extLst>
           </a:blip>
@@ -13355,7 +13553,7 @@
           <a:blip r:embed="rId39">
             <a:extLst>
               <a:ext uri="{28A0092B-C50C-407E-A947-70E740481C1C}">
-                <a14:useLocalDpi xmlns:a14="http://schemas.microsoft.com/office/drawing/2010/main" xmlns="" val="0"/>
+                <a14:useLocalDpi xmlns:a14="http://schemas.microsoft.com/office/drawing/2010/main" val="0"/>
               </a:ext>
             </a:extLst>
           </a:blip>
@@ -13389,7 +13587,7 @@
           <a:blip r:embed="rId40">
             <a:extLst>
               <a:ext uri="{28A0092B-C50C-407E-A947-70E740481C1C}">
-                <a14:useLocalDpi xmlns:a14="http://schemas.microsoft.com/office/drawing/2010/main" xmlns="" val="0"/>
+                <a14:useLocalDpi xmlns:a14="http://schemas.microsoft.com/office/drawing/2010/main" val="0"/>
               </a:ext>
             </a:extLst>
           </a:blip>
@@ -13887,15 +14085,6 @@
             </a:r>
           </a:p>
           <a:p>
-            <a:r>
-              <a:rPr lang="zh-CN" altLang="en-US" dirty="0">
-                <a:latin typeface="Times New Roman" panose="02020603050405020304" charset="0"/>
-                <a:cs typeface="Times New Roman" panose="02020603050405020304" charset="0"/>
-              </a:rPr>
-              <a:t>默认建好的目录</a:t>
-            </a:r>
-          </a:p>
-          <a:p>
             <a:endParaRPr lang="zh-CN" altLang="en-US" dirty="0">
               <a:latin typeface="Times New Roman" panose="02020603050405020304" charset="0"/>
               <a:cs typeface="Times New Roman" panose="02020603050405020304" charset="0"/>
@@ -14363,32 +14552,32 @@
           </a:p>
         </p:txBody>
       </p:sp>
-      <p:sp>
-        <p:nvSpPr>
-          <p:cNvPr id="3" name="内容占位符 2"/>
-          <p:cNvSpPr>
-            <a:spLocks noGrp="1"/>
-          </p:cNvSpPr>
+      <p:pic>
+        <p:nvPicPr>
+          <p:cNvPr id="4" name="内容占位符 3"/>
+          <p:cNvPicPr>
+            <a:picLocks noGrp="1" noChangeAspect="1"/>
+          </p:cNvPicPr>
           <p:nvPr>
             <p:ph idx="1"/>
-            <p:custDataLst>
-              <p:tags r:id="rId3"/>
-            </p:custDataLst>
           </p:nvPr>
-        </p:nvSpPr>
-        <p:spPr/>
-        <p:txBody>
-          <a:bodyPr/>
-          <a:lstStyle/>
-          <a:p>
-            <a:r>
-              <a:rPr lang="en-US" altLang="zh-CN" smtClean="0"/>
-              <a:t>Lorem ipsum dolor sit amet, consectetur adipisicing elit, sed do eiusmod tempor incididunt ut labore et dolore magna aliqua. Ut enim ad minim veniam, quis nostrud exercitation ullamco laboris nisi ut aliquip ex ea commodo consequat.</a:t>
-            </a:r>
-            <a:endParaRPr lang="zh-CN" altLang="en-US" dirty="0"/>
-          </a:p>
-        </p:txBody>
-      </p:sp>
+        </p:nvPicPr>
+        <p:blipFill>
+          <a:blip r:embed="rId5"/>
+          <a:stretch>
+            <a:fillRect/>
+          </a:stretch>
+        </p:blipFill>
+        <p:spPr>
+          <a:xfrm>
+            <a:off x="4243790" y="1203325"/>
+            <a:ext cx="3704419" cy="4973638"/>
+          </a:xfrm>
+          <a:prstGeom prst="rect">
+            <a:avLst/>
+          </a:prstGeom>
+        </p:spPr>
+      </p:pic>
     </p:spTree>
     <p:custDataLst>
       <p:tags r:id="rId1"/>
@@ -14459,9 +14648,18 @@
               <a:t>、</a:t>
             </a:r>
             <a:r>
-              <a:rPr lang="en-US" altLang="zh-CN" dirty="0"/>
+              <a:rPr lang="en-US" altLang="zh-CN" dirty="0" smtClean="0"/>
               <a:t>Controller</a:t>
             </a:r>
+            <a:r>
+              <a:rPr lang="zh-CN" altLang="en-US" dirty="0" smtClean="0"/>
+              <a:t>、</a:t>
+            </a:r>
+            <a:r>
+              <a:rPr lang="en-US" altLang="zh-CN" dirty="0" smtClean="0"/>
+              <a:t>Service</a:t>
+            </a:r>
+            <a:endParaRPr lang="en-US" altLang="zh-CN" dirty="0"/>
           </a:p>
         </p:txBody>
       </p:sp>
@@ -14483,35 +14681,41 @@
           <a:bodyPr/>
           <a:lstStyle/>
           <a:p>
-            <a:r>
-              <a:rPr lang="en-US" altLang="zh-CN" dirty="0"/>
-              <a:t>Model</a:t>
-            </a:r>
-          </a:p>
-          <a:p>
             <a:endParaRPr lang="en-US" altLang="zh-CN" dirty="0"/>
-          </a:p>
-          <a:p>
-            <a:r>
-              <a:rPr lang="en-US" altLang="zh-CN" dirty="0"/>
-              <a:t>View</a:t>
-            </a:r>
-          </a:p>
-          <a:p>
-            <a:endParaRPr lang="en-US" altLang="zh-CN" dirty="0"/>
-          </a:p>
-          <a:p>
-            <a:r>
-              <a:rPr lang="en-US" altLang="zh-CN" dirty="0"/>
-              <a:t>Controller</a:t>
-            </a:r>
           </a:p>
         </p:txBody>
       </p:sp>
+      <p:pic>
+        <p:nvPicPr>
+          <p:cNvPr id="4" name="图片 3"/>
+          <p:cNvPicPr/>
+          <p:nvPr/>
+        </p:nvPicPr>
+        <p:blipFill>
+          <a:blip r:embed="rId6"/>
+          <a:stretch>
+            <a:fillRect/>
+          </a:stretch>
+        </p:blipFill>
+        <p:spPr>
+          <a:xfrm>
+            <a:off x="2106859" y="1535322"/>
+            <a:ext cx="7978282" cy="4308954"/>
+          </a:xfrm>
+          <a:prstGeom prst="rect">
+            <a:avLst/>
+          </a:prstGeom>
+        </p:spPr>
+      </p:pic>
     </p:spTree>
     <p:custDataLst>
       <p:tags r:id="rId1"/>
     </p:custDataLst>
+    <p:extLst>
+      <p:ext uri="{BB962C8B-B14F-4D97-AF65-F5344CB8AC3E}">
+        <p14:creationId xmlns:p14="http://schemas.microsoft.com/office/powerpoint/2010/main" val="2449204816"/>
+      </p:ext>
+    </p:extLst>
   </p:cSld>
   <p:clrMapOvr>
     <a:masterClrMapping/>
@@ -14563,11 +14767,23 @@
           <a:p>
             <a:r>
               <a:rPr lang="en-US" altLang="zh-CN" dirty="0"/>
-              <a:t>demo</a:t>
+              <a:t>Model</a:t>
             </a:r>
             <a:r>
               <a:rPr lang="zh-CN" altLang="en-US" dirty="0"/>
-              <a:t>展示</a:t>
+              <a:t>、</a:t>
+            </a:r>
+            <a:r>
+              <a:rPr lang="en-US" altLang="zh-CN" dirty="0"/>
+              <a:t>View</a:t>
+            </a:r>
+            <a:r>
+              <a:rPr lang="zh-CN" altLang="en-US" dirty="0"/>
+              <a:t>、</a:t>
+            </a:r>
+            <a:r>
+              <a:rPr lang="en-US" altLang="zh-CN" dirty="0"/>
+              <a:t>Controller</a:t>
             </a:r>
           </a:p>
         </p:txBody>
@@ -14591,8 +14807,26 @@
           <a:lstStyle/>
           <a:p>
             <a:r>
-              <a:rPr lang="zh-CN" altLang="en-US" dirty="0"/>
-              <a:t>增删改查</a:t>
+              <a:rPr lang="en-US" altLang="zh-CN" dirty="0"/>
+              <a:t>Model</a:t>
+            </a:r>
+          </a:p>
+          <a:p>
+            <a:endParaRPr lang="en-US" altLang="zh-CN" dirty="0"/>
+          </a:p>
+          <a:p>
+            <a:r>
+              <a:rPr lang="en-US" altLang="zh-CN" dirty="0"/>
+              <a:t>View</a:t>
+            </a:r>
+          </a:p>
+          <a:p>
+            <a:endParaRPr lang="en-US" altLang="zh-CN" dirty="0"/>
+          </a:p>
+          <a:p>
+            <a:r>
+              <a:rPr lang="en-US" altLang="zh-CN" dirty="0"/>
+              <a:t>Controller</a:t>
             </a:r>
           </a:p>
         </p:txBody>
@@ -15420,25 +15654,6 @@
 
 <file path=ppt/tags/tag50.xml><?xml version="1.0" encoding="utf-8"?>
 <p:tagLst xmlns:a="http://schemas.openxmlformats.org/drawingml/2006/main" xmlns:r="http://schemas.openxmlformats.org/officeDocument/2006/relationships" xmlns:p="http://schemas.openxmlformats.org/presentationml/2006/main">
-  <p:tag name="KSO_WM_TAG_VERSION" val="1.0"/>
-  <p:tag name="KSO_WM_BEAUTIFY_FLAG" val="#wm#"/>
-  <p:tag name="KSO_WM_TEMPLATE_CATEGORY" val="custom"/>
-  <p:tag name="KSO_WM_TEMPLATE_INDEX" val="160485"/>
-  <p:tag name="KSO_WM_UNIT_TYPE" val="f"/>
-  <p:tag name="KSO_WM_UNIT_INDEX" val="1"/>
-  <p:tag name="KSO_WM_UNIT_ID" val="custom160485_2*f*1"/>
-  <p:tag name="KSO_WM_UNIT_CLEAR" val="1"/>
-  <p:tag name="KSO_WM_UNIT_LAYERLEVEL" val="1"/>
-  <p:tag name="KSO_WM_UNIT_VALUE" val="495"/>
-  <p:tag name="KSO_WM_UNIT_HIGHLIGHT" val="0"/>
-  <p:tag name="KSO_WM_UNIT_COMPATIBLE" val="0"/>
-  <p:tag name="KSO_WM_UNIT_PRESET_TEXT_INDEX" val="5"/>
-  <p:tag name="KSO_WM_UNIT_PRESET_TEXT_LEN" val="232"/>
-</p:tagLst>
-</file>
-
-<file path=ppt/tags/tag51.xml><?xml version="1.0" encoding="utf-8"?>
-<p:tagLst xmlns:a="http://schemas.openxmlformats.org/drawingml/2006/main" xmlns:r="http://schemas.openxmlformats.org/officeDocument/2006/relationships" xmlns:p="http://schemas.openxmlformats.org/presentationml/2006/main">
   <p:tag name="KSO_WM_TEMPLATE_CATEGORY" val="custom"/>
   <p:tag name="KSO_WM_TEMPLATE_INDEX" val="160485"/>
   <p:tag name="KSO_WM_TAG_VERSION" val="1.0"/>
@@ -15454,7 +15669,7 @@
 </p:tagLst>
 </file>
 
-<file path=ppt/tags/tag52.xml><?xml version="1.0" encoding="utf-8"?>
+<file path=ppt/tags/tag51.xml><?xml version="1.0" encoding="utf-8"?>
 <p:tagLst xmlns:a="http://schemas.openxmlformats.org/drawingml/2006/main" xmlns:r="http://schemas.openxmlformats.org/officeDocument/2006/relationships" xmlns:p="http://schemas.openxmlformats.org/presentationml/2006/main">
   <p:tag name="KSO_WM_TAG_VERSION" val="1.0"/>
   <p:tag name="KSO_WM_BEAUTIFY_FLAG" val="#wm#"/>
@@ -15474,7 +15689,7 @@
 </p:tagLst>
 </file>
 
-<file path=ppt/tags/tag53.xml><?xml version="1.0" encoding="utf-8"?>
+<file path=ppt/tags/tag52.xml><?xml version="1.0" encoding="utf-8"?>
 <p:tagLst xmlns:a="http://schemas.openxmlformats.org/drawingml/2006/main" xmlns:r="http://schemas.openxmlformats.org/officeDocument/2006/relationships" xmlns:p="http://schemas.openxmlformats.org/presentationml/2006/main">
   <p:tag name="KSO_WM_TAG_VERSION" val="1.0"/>
   <p:tag name="KSO_WM_BEAUTIFY_FLAG" val="#wm#"/>
@@ -15493,7 +15708,7 @@
 </p:tagLst>
 </file>
 
-<file path=ppt/tags/tag54.xml><?xml version="1.0" encoding="utf-8"?>
+<file path=ppt/tags/tag53.xml><?xml version="1.0" encoding="utf-8"?>
 <p:tagLst xmlns:a="http://schemas.openxmlformats.org/drawingml/2006/main" xmlns:r="http://schemas.openxmlformats.org/officeDocument/2006/relationships" xmlns:p="http://schemas.openxmlformats.org/presentationml/2006/main">
   <p:tag name="KSO_WM_TEMPLATE_CATEGORY" val="custom"/>
   <p:tag name="KSO_WM_TEMPLATE_INDEX" val="160485"/>
@@ -15510,7 +15725,7 @@
 </p:tagLst>
 </file>
 
-<file path=ppt/tags/tag55.xml><?xml version="1.0" encoding="utf-8"?>
+<file path=ppt/tags/tag54.xml><?xml version="1.0" encoding="utf-8"?>
 <p:tagLst xmlns:a="http://schemas.openxmlformats.org/drawingml/2006/main" xmlns:r="http://schemas.openxmlformats.org/officeDocument/2006/relationships" xmlns:p="http://schemas.openxmlformats.org/presentationml/2006/main">
   <p:tag name="KSO_WM_TAG_VERSION" val="1.0"/>
   <p:tag name="KSO_WM_BEAUTIFY_FLAG" val="#wm#"/>
@@ -15530,7 +15745,7 @@
 </p:tagLst>
 </file>
 
-<file path=ppt/tags/tag56.xml><?xml version="1.0" encoding="utf-8"?>
+<file path=ppt/tags/tag55.xml><?xml version="1.0" encoding="utf-8"?>
 <p:tagLst xmlns:a="http://schemas.openxmlformats.org/drawingml/2006/main" xmlns:r="http://schemas.openxmlformats.org/officeDocument/2006/relationships" xmlns:p="http://schemas.openxmlformats.org/presentationml/2006/main">
   <p:tag name="KSO_WM_TAG_VERSION" val="1.0"/>
   <p:tag name="KSO_WM_BEAUTIFY_FLAG" val="#wm#"/>
@@ -15549,7 +15764,63 @@
 </p:tagLst>
 </file>
 
+<file path=ppt/tags/tag56.xml><?xml version="1.0" encoding="utf-8"?>
+<p:tagLst xmlns:a="http://schemas.openxmlformats.org/drawingml/2006/main" xmlns:r="http://schemas.openxmlformats.org/officeDocument/2006/relationships" xmlns:p="http://schemas.openxmlformats.org/presentationml/2006/main">
+  <p:tag name="KSO_WM_TEMPLATE_CATEGORY" val="custom"/>
+  <p:tag name="KSO_WM_TEMPLATE_INDEX" val="160485"/>
+  <p:tag name="KSO_WM_TAG_VERSION" val="1.0"/>
+  <p:tag name="KSO_WM_SLIDE_ID" val="custom160485_2"/>
+  <p:tag name="KSO_WM_SLIDE_INDEX" val="2"/>
+  <p:tag name="KSO_WM_SLIDE_ITEM_CNT" val="1"/>
+  <p:tag name="KSO_WM_SLIDE_LAYOUT" val="a_f"/>
+  <p:tag name="KSO_WM_SLIDE_LAYOUT_CNT" val="1_1"/>
+  <p:tag name="KSO_WM_SLIDE_TYPE" val="text"/>
+  <p:tag name="KSO_WM_BEAUTIFY_FLAG" val="#wm#"/>
+  <p:tag name="KSO_WM_SLIDE_POSITION" val="66*95"/>
+  <p:tag name="KSO_WM_SLIDE_SIZE" val="828*392"/>
+</p:tagLst>
+</file>
+
 <file path=ppt/tags/tag57.xml><?xml version="1.0" encoding="utf-8"?>
+<p:tagLst xmlns:a="http://schemas.openxmlformats.org/drawingml/2006/main" xmlns:r="http://schemas.openxmlformats.org/officeDocument/2006/relationships" xmlns:p="http://schemas.openxmlformats.org/presentationml/2006/main">
+  <p:tag name="KSO_WM_TAG_VERSION" val="1.0"/>
+  <p:tag name="KSO_WM_BEAUTIFY_FLAG" val="#wm#"/>
+  <p:tag name="KSO_WM_TEMPLATE_CATEGORY" val="custom"/>
+  <p:tag name="KSO_WM_TEMPLATE_INDEX" val="160485"/>
+  <p:tag name="KSO_WM_UNIT_TYPE" val="a"/>
+  <p:tag name="KSO_WM_UNIT_INDEX" val="1"/>
+  <p:tag name="KSO_WM_UNIT_ID" val="custom160485_2*a*1"/>
+  <p:tag name="KSO_WM_UNIT_CLEAR" val="1"/>
+  <p:tag name="KSO_WM_UNIT_LAYERLEVEL" val="1"/>
+  <p:tag name="KSO_WM_UNIT_VALUE" val="20"/>
+  <p:tag name="KSO_WM_UNIT_ISCONTENTSTITLE" val="0"/>
+  <p:tag name="KSO_WM_UNIT_HIGHLIGHT" val="0"/>
+  <p:tag name="KSO_WM_UNIT_COMPATIBLE" val="0"/>
+  <p:tag name="KSO_WM_UNIT_PRESET_TEXT_INDEX" val="3"/>
+  <p:tag name="KSO_WM_UNIT_PRESET_TEXT_LEN" val="17"/>
+</p:tagLst>
+</file>
+
+<file path=ppt/tags/tag58.xml><?xml version="1.0" encoding="utf-8"?>
+<p:tagLst xmlns:a="http://schemas.openxmlformats.org/drawingml/2006/main" xmlns:r="http://schemas.openxmlformats.org/officeDocument/2006/relationships" xmlns:p="http://schemas.openxmlformats.org/presentationml/2006/main">
+  <p:tag name="KSO_WM_TAG_VERSION" val="1.0"/>
+  <p:tag name="KSO_WM_BEAUTIFY_FLAG" val="#wm#"/>
+  <p:tag name="KSO_WM_TEMPLATE_CATEGORY" val="custom"/>
+  <p:tag name="KSO_WM_TEMPLATE_INDEX" val="160485"/>
+  <p:tag name="KSO_WM_UNIT_TYPE" val="f"/>
+  <p:tag name="KSO_WM_UNIT_INDEX" val="1"/>
+  <p:tag name="KSO_WM_UNIT_ID" val="custom160485_2*f*1"/>
+  <p:tag name="KSO_WM_UNIT_CLEAR" val="1"/>
+  <p:tag name="KSO_WM_UNIT_LAYERLEVEL" val="1"/>
+  <p:tag name="KSO_WM_UNIT_VALUE" val="495"/>
+  <p:tag name="KSO_WM_UNIT_HIGHLIGHT" val="0"/>
+  <p:tag name="KSO_WM_UNIT_COMPATIBLE" val="0"/>
+  <p:tag name="KSO_WM_UNIT_PRESET_TEXT_INDEX" val="5"/>
+  <p:tag name="KSO_WM_UNIT_PRESET_TEXT_LEN" val="232"/>
+</p:tagLst>
+</file>
+
+<file path=ppt/tags/tag59.xml><?xml version="1.0" encoding="utf-8"?>
 <p:tagLst xmlns:a="http://schemas.openxmlformats.org/drawingml/2006/main" xmlns:r="http://schemas.openxmlformats.org/officeDocument/2006/relationships" xmlns:p="http://schemas.openxmlformats.org/presentationml/2006/main">
   <p:tag name="KSO_WM_TEMPLATE_CATEGORY" val="custom"/>
   <p:tag name="KSO_WM_TEMPLATE_INDEX" val="160485"/>
@@ -15561,46 +15832,6 @@
   <p:tag name="KSO_WM_SLIDE_LAYOUT_CNT" val="1_1_1"/>
   <p:tag name="KSO_WM_SLIDE_TYPE" val="sectionTitle"/>
   <p:tag name="KSO_WM_BEAUTIFY_FLAG" val="#wm#"/>
-</p:tagLst>
-</file>
-
-<file path=ppt/tags/tag58.xml><?xml version="1.0" encoding="utf-8"?>
-<p:tagLst xmlns:a="http://schemas.openxmlformats.org/drawingml/2006/main" xmlns:r="http://schemas.openxmlformats.org/officeDocument/2006/relationships" xmlns:p="http://schemas.openxmlformats.org/presentationml/2006/main">
-  <p:tag name="KSO_WM_TAG_VERSION" val="1.0"/>
-  <p:tag name="KSO_WM_BEAUTIFY_FLAG" val="#wm#"/>
-  <p:tag name="KSO_WM_TEMPLATE_CATEGORY" val="custom"/>
-  <p:tag name="KSO_WM_TEMPLATE_INDEX" val="160485"/>
-  <p:tag name="KSO_WM_UNIT_TYPE" val="a"/>
-  <p:tag name="KSO_WM_UNIT_INDEX" val="1"/>
-  <p:tag name="KSO_WM_UNIT_ID" val="custom160485_12*a*1"/>
-  <p:tag name="KSO_WM_UNIT_CLEAR" val="1"/>
-  <p:tag name="KSO_WM_UNIT_LAYERLEVEL" val="1"/>
-  <p:tag name="KSO_WM_UNIT_VALUE" val="16"/>
-  <p:tag name="KSO_WM_UNIT_ISCONTENTSTITLE" val="0"/>
-  <p:tag name="KSO_WM_UNIT_HIGHLIGHT" val="0"/>
-  <p:tag name="KSO_WM_UNIT_COMPATIBLE" val="0"/>
-  <p:tag name="KSO_WM_UNIT_PRESET_TEXT_INDEX" val="3"/>
-  <p:tag name="KSO_WM_UNIT_PRESET_TEXT_LEN" val="17"/>
-</p:tagLst>
-</file>
-
-<file path=ppt/tags/tag59.xml><?xml version="1.0" encoding="utf-8"?>
-<p:tagLst xmlns:a="http://schemas.openxmlformats.org/drawingml/2006/main" xmlns:r="http://schemas.openxmlformats.org/officeDocument/2006/relationships" xmlns:p="http://schemas.openxmlformats.org/presentationml/2006/main">
-  <p:tag name="KSO_WM_TAG_VERSION" val="1.0"/>
-  <p:tag name="KSO_WM_BEAUTIFY_FLAG" val="#wm#"/>
-  <p:tag name="KSO_WM_TEMPLATE_CATEGORY" val="custom"/>
-  <p:tag name="KSO_WM_TEMPLATE_INDEX" val="160485"/>
-  <p:tag name="KSO_WM_UNIT_TYPE" val="b"/>
-  <p:tag name="KSO_WM_UNIT_INDEX" val="1"/>
-  <p:tag name="KSO_WM_UNIT_ID" val="custom160485_12*b*1"/>
-  <p:tag name="KSO_WM_UNIT_CLEAR" val="1"/>
-  <p:tag name="KSO_WM_UNIT_LAYERLEVEL" val="1"/>
-  <p:tag name="KSO_WM_UNIT_VALUE" val="25"/>
-  <p:tag name="KSO_WM_UNIT_ISCONTENTSTITLE" val="0"/>
-  <p:tag name="KSO_WM_UNIT_HIGHLIGHT" val="0"/>
-  <p:tag name="KSO_WM_UNIT_COMPATIBLE" val="0"/>
-  <p:tag name="KSO_WM_UNIT_PRESET_TEXT_INDEX" val="3"/>
-  <p:tag name="KSO_WM_UNIT_PRESET_TEXT_LEN" val="17"/>
 </p:tagLst>
 </file>
 
@@ -15626,6 +15857,46 @@
   <p:tag name="KSO_WM_BEAUTIFY_FLAG" val="#wm#"/>
   <p:tag name="KSO_WM_TEMPLATE_CATEGORY" val="custom"/>
   <p:tag name="KSO_WM_TEMPLATE_INDEX" val="160485"/>
+  <p:tag name="KSO_WM_UNIT_TYPE" val="a"/>
+  <p:tag name="KSO_WM_UNIT_INDEX" val="1"/>
+  <p:tag name="KSO_WM_UNIT_ID" val="custom160485_12*a*1"/>
+  <p:tag name="KSO_WM_UNIT_CLEAR" val="1"/>
+  <p:tag name="KSO_WM_UNIT_LAYERLEVEL" val="1"/>
+  <p:tag name="KSO_WM_UNIT_VALUE" val="16"/>
+  <p:tag name="KSO_WM_UNIT_ISCONTENTSTITLE" val="0"/>
+  <p:tag name="KSO_WM_UNIT_HIGHLIGHT" val="0"/>
+  <p:tag name="KSO_WM_UNIT_COMPATIBLE" val="0"/>
+  <p:tag name="KSO_WM_UNIT_PRESET_TEXT_INDEX" val="3"/>
+  <p:tag name="KSO_WM_UNIT_PRESET_TEXT_LEN" val="17"/>
+</p:tagLst>
+</file>
+
+<file path=ppt/tags/tag61.xml><?xml version="1.0" encoding="utf-8"?>
+<p:tagLst xmlns:a="http://schemas.openxmlformats.org/drawingml/2006/main" xmlns:r="http://schemas.openxmlformats.org/officeDocument/2006/relationships" xmlns:p="http://schemas.openxmlformats.org/presentationml/2006/main">
+  <p:tag name="KSO_WM_TAG_VERSION" val="1.0"/>
+  <p:tag name="KSO_WM_BEAUTIFY_FLAG" val="#wm#"/>
+  <p:tag name="KSO_WM_TEMPLATE_CATEGORY" val="custom"/>
+  <p:tag name="KSO_WM_TEMPLATE_INDEX" val="160485"/>
+  <p:tag name="KSO_WM_UNIT_TYPE" val="b"/>
+  <p:tag name="KSO_WM_UNIT_INDEX" val="1"/>
+  <p:tag name="KSO_WM_UNIT_ID" val="custom160485_12*b*1"/>
+  <p:tag name="KSO_WM_UNIT_CLEAR" val="1"/>
+  <p:tag name="KSO_WM_UNIT_LAYERLEVEL" val="1"/>
+  <p:tag name="KSO_WM_UNIT_VALUE" val="25"/>
+  <p:tag name="KSO_WM_UNIT_ISCONTENTSTITLE" val="0"/>
+  <p:tag name="KSO_WM_UNIT_HIGHLIGHT" val="0"/>
+  <p:tag name="KSO_WM_UNIT_COMPATIBLE" val="0"/>
+  <p:tag name="KSO_WM_UNIT_PRESET_TEXT_INDEX" val="3"/>
+  <p:tag name="KSO_WM_UNIT_PRESET_TEXT_LEN" val="17"/>
+</p:tagLst>
+</file>
+
+<file path=ppt/tags/tag62.xml><?xml version="1.0" encoding="utf-8"?>
+<p:tagLst xmlns:a="http://schemas.openxmlformats.org/drawingml/2006/main" xmlns:r="http://schemas.openxmlformats.org/officeDocument/2006/relationships" xmlns:p="http://schemas.openxmlformats.org/presentationml/2006/main">
+  <p:tag name="KSO_WM_TAG_VERSION" val="1.0"/>
+  <p:tag name="KSO_WM_BEAUTIFY_FLAG" val="#wm#"/>
+  <p:tag name="KSO_WM_TEMPLATE_CATEGORY" val="custom"/>
+  <p:tag name="KSO_WM_TEMPLATE_INDEX" val="160485"/>
   <p:tag name="KSO_WM_UNIT_TYPE" val="e"/>
   <p:tag name="KSO_WM_UNIT_INDEX" val="1"/>
   <p:tag name="KSO_WM_UNIT_ID" val="custom160485_12*e*1"/>
@@ -15638,7 +15909,7 @@
 </p:tagLst>
 </file>
 
-<file path=ppt/tags/tag61.xml><?xml version="1.0" encoding="utf-8"?>
+<file path=ppt/tags/tag63.xml><?xml version="1.0" encoding="utf-8"?>
 <p:tagLst xmlns:a="http://schemas.openxmlformats.org/drawingml/2006/main" xmlns:r="http://schemas.openxmlformats.org/officeDocument/2006/relationships" xmlns:p="http://schemas.openxmlformats.org/presentationml/2006/main">
   <p:tag name="KSO_WM_TEMPLATE_CATEGORY" val="custom"/>
   <p:tag name="KSO_WM_TEMPLATE_INDEX" val="160485"/>
@@ -15655,7 +15926,7 @@
 </p:tagLst>
 </file>
 
-<file path=ppt/tags/tag62.xml><?xml version="1.0" encoding="utf-8"?>
+<file path=ppt/tags/tag64.xml><?xml version="1.0" encoding="utf-8"?>
 <p:tagLst xmlns:a="http://schemas.openxmlformats.org/drawingml/2006/main" xmlns:r="http://schemas.openxmlformats.org/officeDocument/2006/relationships" xmlns:p="http://schemas.openxmlformats.org/presentationml/2006/main">
   <p:tag name="KSO_WM_TAG_VERSION" val="1.0"/>
   <p:tag name="KSO_WM_BEAUTIFY_FLAG" val="#wm#"/>
@@ -15675,7 +15946,7 @@
 </p:tagLst>
 </file>
 
-<file path=ppt/tags/tag63.xml><?xml version="1.0" encoding="utf-8"?>
+<file path=ppt/tags/tag65.xml><?xml version="1.0" encoding="utf-8"?>
 <p:tagLst xmlns:a="http://schemas.openxmlformats.org/drawingml/2006/main" xmlns:r="http://schemas.openxmlformats.org/officeDocument/2006/relationships" xmlns:p="http://schemas.openxmlformats.org/presentationml/2006/main">
   <p:tag name="KSO_WM_TAG_VERSION" val="1.0"/>
   <p:tag name="KSO_WM_BEAUTIFY_FLAG" val="#wm#"/>
@@ -15694,7 +15965,7 @@
 </p:tagLst>
 </file>
 
-<file path=ppt/tags/tag64.xml><?xml version="1.0" encoding="utf-8"?>
+<file path=ppt/tags/tag66.xml><?xml version="1.0" encoding="utf-8"?>
 <p:tagLst xmlns:a="http://schemas.openxmlformats.org/drawingml/2006/main" xmlns:r="http://schemas.openxmlformats.org/officeDocument/2006/relationships" xmlns:p="http://schemas.openxmlformats.org/presentationml/2006/main">
   <p:tag name="KSO_WM_TEMPLATE_CATEGORY" val="custom"/>
   <p:tag name="KSO_WM_TEMPLATE_INDEX" val="160485"/>
@@ -15709,7 +15980,7 @@
 </p:tagLst>
 </file>
 
-<file path=ppt/tags/tag65.xml><?xml version="1.0" encoding="utf-8"?>
+<file path=ppt/tags/tag67.xml><?xml version="1.0" encoding="utf-8"?>
 <p:tagLst xmlns:a="http://schemas.openxmlformats.org/drawingml/2006/main" xmlns:r="http://schemas.openxmlformats.org/officeDocument/2006/relationships" xmlns:p="http://schemas.openxmlformats.org/presentationml/2006/main">
   <p:tag name="KSO_WM_TAG_VERSION" val="1.0"/>
   <p:tag name="KSO_WM_BEAUTIFY_FLAG" val="#wm#"/>
@@ -15729,7 +16000,7 @@
 </p:tagLst>
 </file>
 
-<file path=ppt/tags/tag66.xml><?xml version="1.0" encoding="utf-8"?>
+<file path=ppt/tags/tag68.xml><?xml version="1.0" encoding="utf-8"?>
 <p:tagLst xmlns:a="http://schemas.openxmlformats.org/drawingml/2006/main" xmlns:r="http://schemas.openxmlformats.org/officeDocument/2006/relationships" xmlns:p="http://schemas.openxmlformats.org/presentationml/2006/main">
   <p:tag name="KSO_WM_TAG_VERSION" val="1.0"/>
   <p:tag name="KSO_WM_BEAUTIFY_FLAG" val="#wm#"/>
@@ -15749,7 +16020,7 @@
 </p:tagLst>
 </file>
 
-<file path=ppt/tags/tag67.xml><?xml version="1.0" encoding="utf-8"?>
+<file path=ppt/tags/tag69.xml><?xml version="1.0" encoding="utf-8"?>
 <p:tagLst xmlns:a="http://schemas.openxmlformats.org/drawingml/2006/main" xmlns:r="http://schemas.openxmlformats.org/officeDocument/2006/relationships" xmlns:p="http://schemas.openxmlformats.org/presentationml/2006/main">
   <p:tag name="KSO_WM_TAG_VERSION" val="1.0"/>
   <p:tag name="KSO_WM_BEAUTIFY_FLAG" val="#wm#"/>
@@ -15764,41 +16035,6 @@
   <p:tag name="KSO_WM_UNIT_HIGHLIGHT" val="0"/>
   <p:tag name="KSO_WM_UNIT_COMPATIBLE" val="1"/>
   <p:tag name="KSO_WM_UNIT_PRESET_TEXT" val="1"/>
-</p:tagLst>
-</file>
-
-<file path=ppt/tags/tag68.xml><?xml version="1.0" encoding="utf-8"?>
-<p:tagLst xmlns:a="http://schemas.openxmlformats.org/drawingml/2006/main" xmlns:r="http://schemas.openxmlformats.org/officeDocument/2006/relationships" xmlns:p="http://schemas.openxmlformats.org/presentationml/2006/main">
-  <p:tag name="KSO_WM_TEMPLATE_CATEGORY" val="custom"/>
-  <p:tag name="KSO_WM_TEMPLATE_INDEX" val="160485"/>
-  <p:tag name="KSO_WM_TAG_VERSION" val="1.0"/>
-  <p:tag name="KSO_WM_SLIDE_ID" val="custom160485_12"/>
-  <p:tag name="KSO_WM_SLIDE_INDEX" val="12"/>
-  <p:tag name="KSO_WM_SLIDE_ITEM_CNT" val="2"/>
-  <p:tag name="KSO_WM_SLIDE_LAYOUT" val="a_b_e"/>
-  <p:tag name="KSO_WM_SLIDE_LAYOUT_CNT" val="1_1_1"/>
-  <p:tag name="KSO_WM_SLIDE_TYPE" val="sectionTitle"/>
-  <p:tag name="KSO_WM_BEAUTIFY_FLAG" val="#wm#"/>
-</p:tagLst>
-</file>
-
-<file path=ppt/tags/tag69.xml><?xml version="1.0" encoding="utf-8"?>
-<p:tagLst xmlns:a="http://schemas.openxmlformats.org/drawingml/2006/main" xmlns:r="http://schemas.openxmlformats.org/officeDocument/2006/relationships" xmlns:p="http://schemas.openxmlformats.org/presentationml/2006/main">
-  <p:tag name="KSO_WM_TAG_VERSION" val="1.0"/>
-  <p:tag name="KSO_WM_BEAUTIFY_FLAG" val="#wm#"/>
-  <p:tag name="KSO_WM_TEMPLATE_CATEGORY" val="custom"/>
-  <p:tag name="KSO_WM_TEMPLATE_INDEX" val="160485"/>
-  <p:tag name="KSO_WM_UNIT_TYPE" val="a"/>
-  <p:tag name="KSO_WM_UNIT_INDEX" val="1"/>
-  <p:tag name="KSO_WM_UNIT_ID" val="custom160485_12*a*1"/>
-  <p:tag name="KSO_WM_UNIT_CLEAR" val="1"/>
-  <p:tag name="KSO_WM_UNIT_LAYERLEVEL" val="1"/>
-  <p:tag name="KSO_WM_UNIT_VALUE" val="16"/>
-  <p:tag name="KSO_WM_UNIT_ISCONTENTSTITLE" val="0"/>
-  <p:tag name="KSO_WM_UNIT_HIGHLIGHT" val="0"/>
-  <p:tag name="KSO_WM_UNIT_COMPATIBLE" val="0"/>
-  <p:tag name="KSO_WM_UNIT_PRESET_TEXT_INDEX" val="3"/>
-  <p:tag name="KSO_WM_UNIT_PRESET_TEXT_LEN" val="17"/>
 </p:tagLst>
 </file>
 
@@ -15823,6 +16059,41 @@
 
 <file path=ppt/tags/tag70.xml><?xml version="1.0" encoding="utf-8"?>
 <p:tagLst xmlns:a="http://schemas.openxmlformats.org/drawingml/2006/main" xmlns:r="http://schemas.openxmlformats.org/officeDocument/2006/relationships" xmlns:p="http://schemas.openxmlformats.org/presentationml/2006/main">
+  <p:tag name="KSO_WM_TEMPLATE_CATEGORY" val="custom"/>
+  <p:tag name="KSO_WM_TEMPLATE_INDEX" val="160485"/>
+  <p:tag name="KSO_WM_TAG_VERSION" val="1.0"/>
+  <p:tag name="KSO_WM_SLIDE_ID" val="custom160485_12"/>
+  <p:tag name="KSO_WM_SLIDE_INDEX" val="12"/>
+  <p:tag name="KSO_WM_SLIDE_ITEM_CNT" val="2"/>
+  <p:tag name="KSO_WM_SLIDE_LAYOUT" val="a_b_e"/>
+  <p:tag name="KSO_WM_SLIDE_LAYOUT_CNT" val="1_1_1"/>
+  <p:tag name="KSO_WM_SLIDE_TYPE" val="sectionTitle"/>
+  <p:tag name="KSO_WM_BEAUTIFY_FLAG" val="#wm#"/>
+</p:tagLst>
+</file>
+
+<file path=ppt/tags/tag71.xml><?xml version="1.0" encoding="utf-8"?>
+<p:tagLst xmlns:a="http://schemas.openxmlformats.org/drawingml/2006/main" xmlns:r="http://schemas.openxmlformats.org/officeDocument/2006/relationships" xmlns:p="http://schemas.openxmlformats.org/presentationml/2006/main">
+  <p:tag name="KSO_WM_TAG_VERSION" val="1.0"/>
+  <p:tag name="KSO_WM_BEAUTIFY_FLAG" val="#wm#"/>
+  <p:tag name="KSO_WM_TEMPLATE_CATEGORY" val="custom"/>
+  <p:tag name="KSO_WM_TEMPLATE_INDEX" val="160485"/>
+  <p:tag name="KSO_WM_UNIT_TYPE" val="a"/>
+  <p:tag name="KSO_WM_UNIT_INDEX" val="1"/>
+  <p:tag name="KSO_WM_UNIT_ID" val="custom160485_12*a*1"/>
+  <p:tag name="KSO_WM_UNIT_CLEAR" val="1"/>
+  <p:tag name="KSO_WM_UNIT_LAYERLEVEL" val="1"/>
+  <p:tag name="KSO_WM_UNIT_VALUE" val="16"/>
+  <p:tag name="KSO_WM_UNIT_ISCONTENTSTITLE" val="0"/>
+  <p:tag name="KSO_WM_UNIT_HIGHLIGHT" val="0"/>
+  <p:tag name="KSO_WM_UNIT_COMPATIBLE" val="0"/>
+  <p:tag name="KSO_WM_UNIT_PRESET_TEXT_INDEX" val="3"/>
+  <p:tag name="KSO_WM_UNIT_PRESET_TEXT_LEN" val="17"/>
+</p:tagLst>
+</file>
+
+<file path=ppt/tags/tag72.xml><?xml version="1.0" encoding="utf-8"?>
+<p:tagLst xmlns:a="http://schemas.openxmlformats.org/drawingml/2006/main" xmlns:r="http://schemas.openxmlformats.org/officeDocument/2006/relationships" xmlns:p="http://schemas.openxmlformats.org/presentationml/2006/main">
   <p:tag name="KSO_WM_TAG_VERSION" val="1.0"/>
   <p:tag name="KSO_WM_BEAUTIFY_FLAG" val="#wm#"/>
   <p:tag name="KSO_WM_TEMPLATE_CATEGORY" val="custom"/>
@@ -15841,7 +16112,7 @@
 </p:tagLst>
 </file>
 
-<file path=ppt/tags/tag71.xml><?xml version="1.0" encoding="utf-8"?>
+<file path=ppt/tags/tag73.xml><?xml version="1.0" encoding="utf-8"?>
 <p:tagLst xmlns:a="http://schemas.openxmlformats.org/drawingml/2006/main" xmlns:r="http://schemas.openxmlformats.org/officeDocument/2006/relationships" xmlns:p="http://schemas.openxmlformats.org/presentationml/2006/main">
   <p:tag name="KSO_WM_TAG_VERSION" val="1.0"/>
   <p:tag name="KSO_WM_BEAUTIFY_FLAG" val="#wm#"/>
@@ -15859,7 +16130,7 @@
 </p:tagLst>
 </file>
 
-<file path=ppt/tags/tag72.xml><?xml version="1.0" encoding="utf-8"?>
+<file path=ppt/tags/tag74.xml><?xml version="1.0" encoding="utf-8"?>
 <p:tagLst xmlns:a="http://schemas.openxmlformats.org/drawingml/2006/main" xmlns:r="http://schemas.openxmlformats.org/officeDocument/2006/relationships" xmlns:p="http://schemas.openxmlformats.org/presentationml/2006/main">
   <p:tag name="KSO_WM_TEMPLATE_CATEGORY" val="custom"/>
   <p:tag name="KSO_WM_TEMPLATE_INDEX" val="160485"/>
@@ -15874,7 +16145,7 @@
 </p:tagLst>
 </file>
 
-<file path=ppt/tags/tag73.xml><?xml version="1.0" encoding="utf-8"?>
+<file path=ppt/tags/tag75.xml><?xml version="1.0" encoding="utf-8"?>
 <p:tagLst xmlns:a="http://schemas.openxmlformats.org/drawingml/2006/main" xmlns:r="http://schemas.openxmlformats.org/officeDocument/2006/relationships" xmlns:p="http://schemas.openxmlformats.org/presentationml/2006/main">
   <p:tag name="KSO_WM_TAG_VERSION" val="1.0"/>
   <p:tag name="KSO_WM_BEAUTIFY_FLAG" val="#wm#"/>
@@ -15893,7 +16164,7 @@
 </p:tagLst>
 </file>
 
-<file path=ppt/tags/tag74.xml><?xml version="1.0" encoding="utf-8"?>
+<file path=ppt/tags/tag76.xml><?xml version="1.0" encoding="utf-8"?>
 <p:tagLst xmlns:a="http://schemas.openxmlformats.org/drawingml/2006/main" xmlns:r="http://schemas.openxmlformats.org/officeDocument/2006/relationships" xmlns:p="http://schemas.openxmlformats.org/presentationml/2006/main">
   <p:tag name="KSO_WM_TAG_VERSION" val="1.0"/>
   <p:tag name="KSO_WM_BEAUTIFY_FLAG" val="#wm#"/>
@@ -16202,7 +16473,7 @@
   <a:extraClrSchemeLst/>
   <a:extLst>
     <a:ext uri="{05A4C25C-085E-4340-85A3-A5531E510DB2}">
-      <thm15:themeFamily xmlns:thm15="http://schemas.microsoft.com/office/thememl/2012/main" xmlns="" name="Office Theme" id="{62F939B6-93AF-4DB8-9C6B-D6C7DFDC589F}" vid="{4A3C46E8-61CC-4603-A589-7422A47A8E4A}"/>
+      <thm15:themeFamily xmlns:thm15="http://schemas.microsoft.com/office/thememl/2012/main" name="Office Theme" id="{62F939B6-93AF-4DB8-9C6B-D6C7DFDC589F}" vid="{4A3C46E8-61CC-4603-A589-7422A47A8E4A}"/>
     </a:ext>
   </a:extLst>
 </a:theme>
@@ -16463,7 +16734,7 @@
   <a:extraClrSchemeLst/>
   <a:extLst>
     <a:ext uri="{05A4C25C-085E-4340-85A3-A5531E510DB2}">
-      <thm15:themeFamily xmlns:thm15="http://schemas.microsoft.com/office/thememl/2012/main" xmlns="" name="Office Theme" id="{62F939B6-93AF-4DB8-9C6B-D6C7DFDC589F}" vid="{4A3C46E8-61CC-4603-A589-7422A47A8E4A}"/>
+      <thm15:themeFamily xmlns:thm15="http://schemas.microsoft.com/office/thememl/2012/main" name="Office Theme" id="{62F939B6-93AF-4DB8-9C6B-D6C7DFDC589F}" vid="{4A3C46E8-61CC-4603-A589-7422A47A8E4A}"/>
     </a:ext>
   </a:extLst>
 </a:theme>
